--- a/presentation/SIS.pptx
+++ b/presentation/SIS.pptx
@@ -5,30 +5,31 @@
     <p:sldMasterId id="2147483648" r:id="rId1"/>
   </p:sldMasterIdLst>
   <p:sldIdLst>
-    <p:sldId id="256" r:id="rId2"/>
-    <p:sldId id="257" r:id="rId3"/>
-    <p:sldId id="258" r:id="rId4"/>
-    <p:sldId id="259" r:id="rId5"/>
-    <p:sldId id="260" r:id="rId6"/>
-    <p:sldId id="272" r:id="rId7"/>
-    <p:sldId id="261" r:id="rId8"/>
-    <p:sldId id="262" r:id="rId9"/>
-    <p:sldId id="263" r:id="rId10"/>
-    <p:sldId id="264" r:id="rId11"/>
-    <p:sldId id="265" r:id="rId12"/>
-    <p:sldId id="266" r:id="rId13"/>
-    <p:sldId id="267" r:id="rId14"/>
-    <p:sldId id="268" r:id="rId15"/>
-    <p:sldId id="269" r:id="rId16"/>
-    <p:sldId id="270" r:id="rId17"/>
-    <p:sldId id="271" r:id="rId18"/>
-    <p:sldId id="273" r:id="rId19"/>
-    <p:sldId id="274" r:id="rId20"/>
-    <p:sldId id="275" r:id="rId21"/>
-    <p:sldId id="276" r:id="rId22"/>
-    <p:sldId id="277" r:id="rId23"/>
-    <p:sldId id="278" r:id="rId24"/>
-    <p:sldId id="279" r:id="rId25"/>
+    <p:sldId id="280" r:id="rId2"/>
+    <p:sldId id="256" r:id="rId3"/>
+    <p:sldId id="257" r:id="rId4"/>
+    <p:sldId id="258" r:id="rId5"/>
+    <p:sldId id="259" r:id="rId6"/>
+    <p:sldId id="260" r:id="rId7"/>
+    <p:sldId id="272" r:id="rId8"/>
+    <p:sldId id="261" r:id="rId9"/>
+    <p:sldId id="262" r:id="rId10"/>
+    <p:sldId id="263" r:id="rId11"/>
+    <p:sldId id="264" r:id="rId12"/>
+    <p:sldId id="265" r:id="rId13"/>
+    <p:sldId id="266" r:id="rId14"/>
+    <p:sldId id="267" r:id="rId15"/>
+    <p:sldId id="268" r:id="rId16"/>
+    <p:sldId id="269" r:id="rId17"/>
+    <p:sldId id="270" r:id="rId18"/>
+    <p:sldId id="271" r:id="rId19"/>
+    <p:sldId id="273" r:id="rId20"/>
+    <p:sldId id="274" r:id="rId21"/>
+    <p:sldId id="275" r:id="rId22"/>
+    <p:sldId id="276" r:id="rId23"/>
+    <p:sldId id="277" r:id="rId24"/>
+    <p:sldId id="278" r:id="rId25"/>
+    <p:sldId id="279" r:id="rId26"/>
   </p:sldIdLst>
   <p:sldSz cx="12192000" cy="6858000"/>
   <p:notesSz cx="6858000" cy="9144000"/>
@@ -127,6 +128,11 @@
       </a:defRPr>
     </a:lvl9pPr>
   </p:defaultTextStyle>
+  <p:extLst>
+    <p:ext uri="{EFAFB233-063F-42B5-8137-9DF3F51BA10A}">
+      <p15:sldGuideLst xmlns:p15="http://schemas.microsoft.com/office/powerpoint/2012/main"/>
+    </p:ext>
+  </p:extLst>
 </p:presentation>
 </file>
 
@@ -2989,7 +2995,7 @@
       </p:grpSpPr>
       <p:pic>
         <p:nvPicPr>
-          <p:cNvPr id="4" name="Picture 3"/>
+          <p:cNvPr id="5" name="Picture 4"/>
           <p:cNvPicPr>
             <a:picLocks noChangeAspect="1"/>
           </p:cNvPicPr>
@@ -3004,7 +3010,7 @@
         <p:spPr>
           <a:xfrm>
             <a:off x="0" y="0"/>
-            <a:ext cx="12192000" cy="6851309"/>
+            <a:ext cx="12192000" cy="6858000"/>
           </a:xfrm>
           <a:prstGeom prst="rect">
             <a:avLst/>
@@ -3014,7 +3020,7 @@
     </p:spTree>
     <p:extLst>
       <p:ext uri="{BB962C8B-B14F-4D97-AF65-F5344CB8AC3E}">
-        <p14:creationId xmlns:p14="http://schemas.microsoft.com/office/powerpoint/2010/main" val="66161111"/>
+        <p14:creationId xmlns:p14="http://schemas.microsoft.com/office/powerpoint/2010/main" val="2334489026"/>
       </p:ext>
     </p:extLst>
   </p:cSld>
@@ -3057,32 +3063,8 @@
         </p:blipFill>
         <p:spPr>
           <a:xfrm>
-            <a:off x="0" y="-1"/>
-            <a:ext cx="12192000" cy="6858001"/>
-          </a:xfrm>
-          <a:prstGeom prst="rect">
-            <a:avLst/>
-          </a:prstGeom>
-        </p:spPr>
-      </p:pic>
-      <p:pic>
-        <p:nvPicPr>
-          <p:cNvPr id="3" name="Picture 2"/>
-          <p:cNvPicPr>
-            <a:picLocks noChangeAspect="1"/>
-          </p:cNvPicPr>
-          <p:nvPr/>
-        </p:nvPicPr>
-        <p:blipFill>
-          <a:blip r:embed="rId3"/>
-          <a:stretch>
-            <a:fillRect/>
-          </a:stretch>
-        </p:blipFill>
-        <p:spPr>
-          <a:xfrm>
-            <a:off x="0" y="-1"/>
-            <a:ext cx="12165890" cy="6858001"/>
+            <a:off x="0" y="0"/>
+            <a:ext cx="12192000" cy="6858000"/>
           </a:xfrm>
           <a:prstGeom prst="rect">
             <a:avLst/>
@@ -3092,7 +3074,7 @@
     </p:spTree>
     <p:extLst>
       <p:ext uri="{BB962C8B-B14F-4D97-AF65-F5344CB8AC3E}">
-        <p14:creationId xmlns:p14="http://schemas.microsoft.com/office/powerpoint/2010/main" val="2031863029"/>
+        <p14:creationId xmlns:p14="http://schemas.microsoft.com/office/powerpoint/2010/main" val="3968591461"/>
       </p:ext>
     </p:extLst>
   </p:cSld>
@@ -3135,8 +3117,8 @@
         </p:blipFill>
         <p:spPr>
           <a:xfrm>
-            <a:off x="0" y="0"/>
-            <a:ext cx="12889150" cy="6858000"/>
+            <a:off x="0" y="-1"/>
+            <a:ext cx="12192000" cy="6858001"/>
           </a:xfrm>
           <a:prstGeom prst="rect">
             <a:avLst/>
@@ -3159,32 +3141,8 @@
         </p:blipFill>
         <p:spPr>
           <a:xfrm>
-            <a:off x="6910251" y="532804"/>
-            <a:ext cx="5878285" cy="5045036"/>
-          </a:xfrm>
-          <a:prstGeom prst="rect">
-            <a:avLst/>
-          </a:prstGeom>
-        </p:spPr>
-      </p:pic>
-      <p:pic>
-        <p:nvPicPr>
-          <p:cNvPr id="4" name="Picture 3"/>
-          <p:cNvPicPr>
-            <a:picLocks noChangeAspect="1"/>
-          </p:cNvPicPr>
-          <p:nvPr/>
-        </p:nvPicPr>
-        <p:blipFill>
-          <a:blip r:embed="rId4"/>
-          <a:stretch>
-            <a:fillRect/>
-          </a:stretch>
-        </p:blipFill>
-        <p:spPr>
-          <a:xfrm>
-            <a:off x="6809637" y="1606731"/>
-            <a:ext cx="5782957" cy="3801292"/>
+            <a:off x="0" y="-1"/>
+            <a:ext cx="12165890" cy="6858001"/>
           </a:xfrm>
           <a:prstGeom prst="rect">
             <a:avLst/>
@@ -3194,7 +3152,7 @@
     </p:spTree>
     <p:extLst>
       <p:ext uri="{BB962C8B-B14F-4D97-AF65-F5344CB8AC3E}">
-        <p14:creationId xmlns:p14="http://schemas.microsoft.com/office/powerpoint/2010/main" val="2300397539"/>
+        <p14:creationId xmlns:p14="http://schemas.microsoft.com/office/powerpoint/2010/main" val="2031863029"/>
       </p:ext>
     </p:extLst>
   </p:cSld>
@@ -3237,8 +3195,56 @@
         </p:blipFill>
         <p:spPr>
           <a:xfrm>
-            <a:off x="-1" y="0"/>
-            <a:ext cx="12192001" cy="6871359"/>
+            <a:off x="0" y="0"/>
+            <a:ext cx="12889150" cy="6858000"/>
+          </a:xfrm>
+          <a:prstGeom prst="rect">
+            <a:avLst/>
+          </a:prstGeom>
+        </p:spPr>
+      </p:pic>
+      <p:pic>
+        <p:nvPicPr>
+          <p:cNvPr id="3" name="Picture 2"/>
+          <p:cNvPicPr>
+            <a:picLocks noChangeAspect="1"/>
+          </p:cNvPicPr>
+          <p:nvPr/>
+        </p:nvPicPr>
+        <p:blipFill>
+          <a:blip r:embed="rId3"/>
+          <a:stretch>
+            <a:fillRect/>
+          </a:stretch>
+        </p:blipFill>
+        <p:spPr>
+          <a:xfrm>
+            <a:off x="6910251" y="532804"/>
+            <a:ext cx="5878285" cy="5045036"/>
+          </a:xfrm>
+          <a:prstGeom prst="rect">
+            <a:avLst/>
+          </a:prstGeom>
+        </p:spPr>
+      </p:pic>
+      <p:pic>
+        <p:nvPicPr>
+          <p:cNvPr id="4" name="Picture 3"/>
+          <p:cNvPicPr>
+            <a:picLocks noChangeAspect="1"/>
+          </p:cNvPicPr>
+          <p:nvPr/>
+        </p:nvPicPr>
+        <p:blipFill>
+          <a:blip r:embed="rId4"/>
+          <a:stretch>
+            <a:fillRect/>
+          </a:stretch>
+        </p:blipFill>
+        <p:spPr>
+          <a:xfrm>
+            <a:off x="6809637" y="1606731"/>
+            <a:ext cx="5782957" cy="3801292"/>
           </a:xfrm>
           <a:prstGeom prst="rect">
             <a:avLst/>
@@ -3248,7 +3254,7 @@
     </p:spTree>
     <p:extLst>
       <p:ext uri="{BB962C8B-B14F-4D97-AF65-F5344CB8AC3E}">
-        <p14:creationId xmlns:p14="http://schemas.microsoft.com/office/powerpoint/2010/main" val="1025011664"/>
+        <p14:creationId xmlns:p14="http://schemas.microsoft.com/office/powerpoint/2010/main" val="2300397539"/>
       </p:ext>
     </p:extLst>
   </p:cSld>
@@ -3291,32 +3297,8 @@
         </p:blipFill>
         <p:spPr>
           <a:xfrm>
-            <a:off x="0" y="0"/>
-            <a:ext cx="6466114" cy="6858000"/>
-          </a:xfrm>
-          <a:prstGeom prst="rect">
-            <a:avLst/>
-          </a:prstGeom>
-        </p:spPr>
-      </p:pic>
-      <p:pic>
-        <p:nvPicPr>
-          <p:cNvPr id="3" name="Picture 2"/>
-          <p:cNvPicPr>
-            <a:picLocks noChangeAspect="1"/>
-          </p:cNvPicPr>
-          <p:nvPr/>
-        </p:nvPicPr>
-        <p:blipFill>
-          <a:blip r:embed="rId3"/>
-          <a:stretch>
-            <a:fillRect/>
-          </a:stretch>
-        </p:blipFill>
-        <p:spPr>
-          <a:xfrm>
-            <a:off x="6466114" y="587829"/>
-            <a:ext cx="5564777" cy="6159136"/>
+            <a:off x="-1" y="0"/>
+            <a:ext cx="12192001" cy="6871359"/>
           </a:xfrm>
           <a:prstGeom prst="rect">
             <a:avLst/>
@@ -3326,7 +3308,7 @@
     </p:spTree>
     <p:extLst>
       <p:ext uri="{BB962C8B-B14F-4D97-AF65-F5344CB8AC3E}">
-        <p14:creationId xmlns:p14="http://schemas.microsoft.com/office/powerpoint/2010/main" val="3247538643"/>
+        <p14:creationId xmlns:p14="http://schemas.microsoft.com/office/powerpoint/2010/main" val="1025011664"/>
       </p:ext>
     </p:extLst>
   </p:cSld>
@@ -3369,8 +3351,32 @@
         </p:blipFill>
         <p:spPr>
           <a:xfrm>
-            <a:off x="0" y="-22462"/>
-            <a:ext cx="12192000" cy="6902924"/>
+            <a:off x="0" y="0"/>
+            <a:ext cx="6466114" cy="6858000"/>
+          </a:xfrm>
+          <a:prstGeom prst="rect">
+            <a:avLst/>
+          </a:prstGeom>
+        </p:spPr>
+      </p:pic>
+      <p:pic>
+        <p:nvPicPr>
+          <p:cNvPr id="3" name="Picture 2"/>
+          <p:cNvPicPr>
+            <a:picLocks noChangeAspect="1"/>
+          </p:cNvPicPr>
+          <p:nvPr/>
+        </p:nvPicPr>
+        <p:blipFill>
+          <a:blip r:embed="rId3"/>
+          <a:stretch>
+            <a:fillRect/>
+          </a:stretch>
+        </p:blipFill>
+        <p:spPr>
+          <a:xfrm>
+            <a:off x="6466114" y="587829"/>
+            <a:ext cx="5564777" cy="6159136"/>
           </a:xfrm>
           <a:prstGeom prst="rect">
             <a:avLst/>
@@ -3380,7 +3386,7 @@
     </p:spTree>
     <p:extLst>
       <p:ext uri="{BB962C8B-B14F-4D97-AF65-F5344CB8AC3E}">
-        <p14:creationId xmlns:p14="http://schemas.microsoft.com/office/powerpoint/2010/main" val="2621571773"/>
+        <p14:creationId xmlns:p14="http://schemas.microsoft.com/office/powerpoint/2010/main" val="3247538643"/>
       </p:ext>
     </p:extLst>
   </p:cSld>
@@ -3423,8 +3429,8 @@
         </p:blipFill>
         <p:spPr>
           <a:xfrm>
-            <a:off x="0" y="-1"/>
-            <a:ext cx="12192000" cy="6858001"/>
+            <a:off x="0" y="-22462"/>
+            <a:ext cx="12192000" cy="6902924"/>
           </a:xfrm>
           <a:prstGeom prst="rect">
             <a:avLst/>
@@ -3434,7 +3440,7 @@
     </p:spTree>
     <p:extLst>
       <p:ext uri="{BB962C8B-B14F-4D97-AF65-F5344CB8AC3E}">
-        <p14:creationId xmlns:p14="http://schemas.microsoft.com/office/powerpoint/2010/main" val="2808710525"/>
+        <p14:creationId xmlns:p14="http://schemas.microsoft.com/office/powerpoint/2010/main" val="2621571773"/>
       </p:ext>
     </p:extLst>
   </p:cSld>
@@ -3477,8 +3483,8 @@
         </p:blipFill>
         <p:spPr>
           <a:xfrm>
-            <a:off x="0" y="13063"/>
-            <a:ext cx="12192000" cy="6858000"/>
+            <a:off x="0" y="-1"/>
+            <a:ext cx="12192000" cy="6858001"/>
           </a:xfrm>
           <a:prstGeom prst="rect">
             <a:avLst/>
@@ -3488,7 +3494,7 @@
     </p:spTree>
     <p:extLst>
       <p:ext uri="{BB962C8B-B14F-4D97-AF65-F5344CB8AC3E}">
-        <p14:creationId xmlns:p14="http://schemas.microsoft.com/office/powerpoint/2010/main" val="2086967377"/>
+        <p14:creationId xmlns:p14="http://schemas.microsoft.com/office/powerpoint/2010/main" val="2808710525"/>
       </p:ext>
     </p:extLst>
   </p:cSld>
@@ -3531,8 +3537,8 @@
         </p:blipFill>
         <p:spPr>
           <a:xfrm>
-            <a:off x="0" y="0"/>
-            <a:ext cx="12096206" cy="6858000"/>
+            <a:off x="0" y="13063"/>
+            <a:ext cx="12192000" cy="6858000"/>
           </a:xfrm>
           <a:prstGeom prst="rect">
             <a:avLst/>
@@ -3542,7 +3548,7 @@
     </p:spTree>
     <p:extLst>
       <p:ext uri="{BB962C8B-B14F-4D97-AF65-F5344CB8AC3E}">
-        <p14:creationId xmlns:p14="http://schemas.microsoft.com/office/powerpoint/2010/main" val="2806471552"/>
+        <p14:creationId xmlns:p14="http://schemas.microsoft.com/office/powerpoint/2010/main" val="2086967377"/>
       </p:ext>
     </p:extLst>
   </p:cSld>
@@ -3586,7 +3592,7 @@
         <p:spPr>
           <a:xfrm>
             <a:off x="0" y="0"/>
-            <a:ext cx="12192000" cy="6727371"/>
+            <a:ext cx="12096206" cy="6858000"/>
           </a:xfrm>
           <a:prstGeom prst="rect">
             <a:avLst/>
@@ -3596,7 +3602,7 @@
     </p:spTree>
     <p:extLst>
       <p:ext uri="{BB962C8B-B14F-4D97-AF65-F5344CB8AC3E}">
-        <p14:creationId xmlns:p14="http://schemas.microsoft.com/office/powerpoint/2010/main" val="2522006413"/>
+        <p14:creationId xmlns:p14="http://schemas.microsoft.com/office/powerpoint/2010/main" val="2806471552"/>
       </p:ext>
     </p:extLst>
   </p:cSld>
@@ -3639,32 +3645,8 @@
         </p:blipFill>
         <p:spPr>
           <a:xfrm>
-            <a:off x="-1" y="0"/>
-            <a:ext cx="6727371" cy="6858000"/>
-          </a:xfrm>
-          <a:prstGeom prst="rect">
-            <a:avLst/>
-          </a:prstGeom>
-        </p:spPr>
-      </p:pic>
-      <p:pic>
-        <p:nvPicPr>
-          <p:cNvPr id="3" name="Picture 2"/>
-          <p:cNvPicPr>
-            <a:picLocks noChangeAspect="1"/>
-          </p:cNvPicPr>
-          <p:nvPr/>
-        </p:nvPicPr>
-        <p:blipFill>
-          <a:blip r:embed="rId3"/>
-          <a:stretch>
-            <a:fillRect/>
-          </a:stretch>
-        </p:blipFill>
-        <p:spPr>
-          <a:xfrm>
-            <a:off x="7276674" y="2187406"/>
-            <a:ext cx="4143953" cy="3057952"/>
+            <a:off x="0" y="0"/>
+            <a:ext cx="12192000" cy="6727371"/>
           </a:xfrm>
           <a:prstGeom prst="rect">
             <a:avLst/>
@@ -3674,7 +3656,7 @@
     </p:spTree>
     <p:extLst>
       <p:ext uri="{BB962C8B-B14F-4D97-AF65-F5344CB8AC3E}">
-        <p14:creationId xmlns:p14="http://schemas.microsoft.com/office/powerpoint/2010/main" val="1365078265"/>
+        <p14:creationId xmlns:p14="http://schemas.microsoft.com/office/powerpoint/2010/main" val="2522006413"/>
       </p:ext>
     </p:extLst>
   </p:cSld>
@@ -3717,24 +3699,105 @@
         </p:blipFill>
         <p:spPr>
           <a:xfrm>
-            <a:off x="0" y="0"/>
-            <a:ext cx="12192000" cy="6851600"/>
+            <a:off x="-1" y="0"/>
+            <a:ext cx="12192000" cy="6858000"/>
           </a:xfrm>
           <a:prstGeom prst="rect">
             <a:avLst/>
           </a:prstGeom>
         </p:spPr>
       </p:pic>
+      <p:sp>
+        <p:nvSpPr>
+          <p:cNvPr id="2" name="Rectangle 1"/>
+          <p:cNvSpPr/>
+          <p:nvPr/>
+        </p:nvSpPr>
+        <p:spPr>
+          <a:xfrm>
+            <a:off x="404947" y="5815038"/>
+            <a:ext cx="1920169" cy="707886"/>
+          </a:xfrm>
+          <a:prstGeom prst="rect">
+            <a:avLst/>
+          </a:prstGeom>
+          <a:noFill/>
+        </p:spPr>
+        <p:txBody>
+          <a:bodyPr wrap="square" lIns="91440" tIns="45720" rIns="91440" bIns="45720">
+            <a:spAutoFit/>
+          </a:bodyPr>
+          <a:lstStyle/>
+          <a:p>
+            <a:pPr algn="ctr"/>
+            <a:r>
+              <a:rPr lang="en-US" sz="2000" b="0" cap="none" spc="0" dirty="0" smtClean="0">
+                <a:ln w="0"/>
+                <a:solidFill>
+                  <a:schemeClr val="bg1"/>
+                </a:solidFill>
+                <a:effectLst>
+                  <a:outerShdw blurRad="38100" dist="25400" dir="5400000" algn="ctr" rotWithShape="0">
+                    <a:srgbClr val="6E747A">
+                      <a:alpha val="43000"/>
+                    </a:srgbClr>
+                  </a:outerShdw>
+                </a:effectLst>
+              </a:rPr>
+              <a:t>Laiba Qasim</a:t>
+            </a:r>
+          </a:p>
+          <a:p>
+            <a:pPr algn="ctr"/>
+            <a:r>
+              <a:rPr lang="en-US" sz="2000" dirty="0" smtClean="0">
+                <a:ln w="0"/>
+                <a:solidFill>
+                  <a:schemeClr val="bg1"/>
+                </a:solidFill>
+                <a:effectLst>
+                  <a:outerShdw blurRad="38100" dist="25400" dir="5400000" algn="ctr" rotWithShape="0">
+                    <a:srgbClr val="6E747A">
+                      <a:alpha val="43000"/>
+                    </a:srgbClr>
+                  </a:outerShdw>
+                </a:effectLst>
+              </a:rPr>
+              <a:t>BSCF20M013</a:t>
+            </a:r>
+            <a:endParaRPr lang="en-US" sz="2000" b="0" cap="none" spc="0" dirty="0">
+              <a:ln w="0"/>
+              <a:solidFill>
+                <a:schemeClr val="bg1"/>
+              </a:solidFill>
+              <a:effectLst>
+                <a:outerShdw blurRad="38100" dist="25400" dir="5400000" algn="ctr" rotWithShape="0">
+                  <a:srgbClr val="6E747A">
+                    <a:alpha val="43000"/>
+                  </a:srgbClr>
+                </a:outerShdw>
+              </a:effectLst>
+            </a:endParaRPr>
+          </a:p>
+        </p:txBody>
+      </p:sp>
     </p:spTree>
     <p:extLst>
       <p:ext uri="{BB962C8B-B14F-4D97-AF65-F5344CB8AC3E}">
-        <p14:creationId xmlns:p14="http://schemas.microsoft.com/office/powerpoint/2010/main" val="4261455564"/>
+        <p14:creationId xmlns:p14="http://schemas.microsoft.com/office/powerpoint/2010/main" val="66161111"/>
       </p:ext>
     </p:extLst>
   </p:cSld>
   <p:clrMapOvr>
     <a:masterClrMapping/>
   </p:clrMapOvr>
+  <p:timing>
+    <p:tnLst>
+      <p:par>
+        <p:cTn id="1" dur="indefinite" restart="never" nodeType="tmRoot"/>
+      </p:par>
+    </p:tnLst>
+  </p:timing>
 </p:sld>
 </file>
 
@@ -3771,8 +3834,8 @@
         </p:blipFill>
         <p:spPr>
           <a:xfrm>
-            <a:off x="0" y="0"/>
-            <a:ext cx="6217920" cy="6858000"/>
+            <a:off x="-1" y="0"/>
+            <a:ext cx="6727371" cy="6858000"/>
           </a:xfrm>
           <a:prstGeom prst="rect">
             <a:avLst/>
@@ -3781,7 +3844,7 @@
       </p:pic>
       <p:pic>
         <p:nvPicPr>
-          <p:cNvPr id="4" name="Picture 3"/>
+          <p:cNvPr id="3" name="Picture 2"/>
           <p:cNvPicPr>
             <a:picLocks noChangeAspect="1"/>
           </p:cNvPicPr>
@@ -3795,8 +3858,8 @@
         </p:blipFill>
         <p:spPr>
           <a:xfrm>
-            <a:off x="6662057" y="2077201"/>
-            <a:ext cx="4821002" cy="2703598"/>
+            <a:off x="7276674" y="2187406"/>
+            <a:ext cx="4143953" cy="3057952"/>
           </a:xfrm>
           <a:prstGeom prst="rect">
             <a:avLst/>
@@ -3806,7 +3869,7 @@
     </p:spTree>
     <p:extLst>
       <p:ext uri="{BB962C8B-B14F-4D97-AF65-F5344CB8AC3E}">
-        <p14:creationId xmlns:p14="http://schemas.microsoft.com/office/powerpoint/2010/main" val="3996749155"/>
+        <p14:creationId xmlns:p14="http://schemas.microsoft.com/office/powerpoint/2010/main" val="1365078265"/>
       </p:ext>
     </p:extLst>
   </p:cSld>
@@ -3850,7 +3913,7 @@
         <p:spPr>
           <a:xfrm>
             <a:off x="0" y="0"/>
-            <a:ext cx="5969726" cy="6858000"/>
+            <a:ext cx="6217920" cy="6858000"/>
           </a:xfrm>
           <a:prstGeom prst="rect">
             <a:avLst/>
@@ -3873,8 +3936,8 @@
         </p:blipFill>
         <p:spPr>
           <a:xfrm>
-            <a:off x="6831874" y="1254033"/>
-            <a:ext cx="4428309" cy="4088675"/>
+            <a:off x="6662057" y="2077201"/>
+            <a:ext cx="4821002" cy="2703598"/>
           </a:xfrm>
           <a:prstGeom prst="rect">
             <a:avLst/>
@@ -3884,7 +3947,7 @@
     </p:spTree>
     <p:extLst>
       <p:ext uri="{BB962C8B-B14F-4D97-AF65-F5344CB8AC3E}">
-        <p14:creationId xmlns:p14="http://schemas.microsoft.com/office/powerpoint/2010/main" val="1293331385"/>
+        <p14:creationId xmlns:p14="http://schemas.microsoft.com/office/powerpoint/2010/main" val="3996749155"/>
       </p:ext>
     </p:extLst>
   </p:cSld>
@@ -3928,7 +3991,7 @@
         <p:spPr>
           <a:xfrm>
             <a:off x="0" y="0"/>
-            <a:ext cx="6596743" cy="6858000"/>
+            <a:ext cx="5969726" cy="6858000"/>
           </a:xfrm>
           <a:prstGeom prst="rect">
             <a:avLst/>
@@ -3937,7 +4000,7 @@
       </p:pic>
       <p:pic>
         <p:nvPicPr>
-          <p:cNvPr id="3" name="Picture 2"/>
+          <p:cNvPr id="4" name="Picture 3"/>
           <p:cNvPicPr>
             <a:picLocks noChangeAspect="1"/>
           </p:cNvPicPr>
@@ -3951,8 +4014,8 @@
         </p:blipFill>
         <p:spPr>
           <a:xfrm>
-            <a:off x="6844938" y="1319348"/>
-            <a:ext cx="5068388" cy="4219303"/>
+            <a:off x="6831874" y="1254033"/>
+            <a:ext cx="4428309" cy="4088675"/>
           </a:xfrm>
           <a:prstGeom prst="rect">
             <a:avLst/>
@@ -3962,7 +4025,7 @@
     </p:spTree>
     <p:extLst>
       <p:ext uri="{BB962C8B-B14F-4D97-AF65-F5344CB8AC3E}">
-        <p14:creationId xmlns:p14="http://schemas.microsoft.com/office/powerpoint/2010/main" val="1104413540"/>
+        <p14:creationId xmlns:p14="http://schemas.microsoft.com/office/powerpoint/2010/main" val="1293331385"/>
       </p:ext>
     </p:extLst>
   </p:cSld>
@@ -4006,7 +4069,7 @@
         <p:spPr>
           <a:xfrm>
             <a:off x="0" y="0"/>
-            <a:ext cx="6413863" cy="6858000"/>
+            <a:ext cx="6596743" cy="6858000"/>
           </a:xfrm>
           <a:prstGeom prst="rect">
             <a:avLst/>
@@ -4029,6 +4092,84 @@
         </p:blipFill>
         <p:spPr>
           <a:xfrm>
+            <a:off x="6844938" y="1319348"/>
+            <a:ext cx="5068388" cy="4219303"/>
+          </a:xfrm>
+          <a:prstGeom prst="rect">
+            <a:avLst/>
+          </a:prstGeom>
+        </p:spPr>
+      </p:pic>
+    </p:spTree>
+    <p:extLst>
+      <p:ext uri="{BB962C8B-B14F-4D97-AF65-F5344CB8AC3E}">
+        <p14:creationId xmlns:p14="http://schemas.microsoft.com/office/powerpoint/2010/main" val="1104413540"/>
+      </p:ext>
+    </p:extLst>
+  </p:cSld>
+  <p:clrMapOvr>
+    <a:masterClrMapping/>
+  </p:clrMapOvr>
+</p:sld>
+</file>
+
+<file path=ppt/slides/slide24.xml><?xml version="1.0" encoding="utf-8"?>
+<p:sld xmlns:a="http://schemas.openxmlformats.org/drawingml/2006/main" xmlns:r="http://schemas.openxmlformats.org/officeDocument/2006/relationships" xmlns:p="http://schemas.openxmlformats.org/presentationml/2006/main">
+  <p:cSld>
+    <p:spTree>
+      <p:nvGrpSpPr>
+        <p:cNvPr id="1" name=""/>
+        <p:cNvGrpSpPr/>
+        <p:nvPr/>
+      </p:nvGrpSpPr>
+      <p:grpSpPr>
+        <a:xfrm>
+          <a:off x="0" y="0"/>
+          <a:ext cx="0" cy="0"/>
+          <a:chOff x="0" y="0"/>
+          <a:chExt cx="0" cy="0"/>
+        </a:xfrm>
+      </p:grpSpPr>
+      <p:pic>
+        <p:nvPicPr>
+          <p:cNvPr id="2" name="Picture 1"/>
+          <p:cNvPicPr>
+            <a:picLocks noChangeAspect="1"/>
+          </p:cNvPicPr>
+          <p:nvPr/>
+        </p:nvPicPr>
+        <p:blipFill>
+          <a:blip r:embed="rId2"/>
+          <a:stretch>
+            <a:fillRect/>
+          </a:stretch>
+        </p:blipFill>
+        <p:spPr>
+          <a:xfrm>
+            <a:off x="0" y="0"/>
+            <a:ext cx="6413863" cy="6858000"/>
+          </a:xfrm>
+          <a:prstGeom prst="rect">
+            <a:avLst/>
+          </a:prstGeom>
+        </p:spPr>
+      </p:pic>
+      <p:pic>
+        <p:nvPicPr>
+          <p:cNvPr id="3" name="Picture 2"/>
+          <p:cNvPicPr>
+            <a:picLocks noChangeAspect="1"/>
+          </p:cNvPicPr>
+          <p:nvPr/>
+        </p:nvPicPr>
+        <p:blipFill>
+          <a:blip r:embed="rId3"/>
+          <a:stretch>
+            <a:fillRect/>
+          </a:stretch>
+        </p:blipFill>
+        <p:spPr>
+          <a:xfrm>
             <a:off x="6742834" y="1685109"/>
             <a:ext cx="4610743" cy="3487782"/>
           </a:xfrm>
@@ -4050,7 +4191,7 @@
 </p:sld>
 </file>
 
-<file path=ppt/slides/slide24.xml><?xml version="1.0" encoding="utf-8"?>
+<file path=ppt/slides/slide25.xml><?xml version="1.0" encoding="utf-8"?>
 <p:sld xmlns:a="http://schemas.openxmlformats.org/drawingml/2006/main" xmlns:r="http://schemas.openxmlformats.org/officeDocument/2006/relationships" xmlns:p="http://schemas.openxmlformats.org/presentationml/2006/main">
   <p:cSld>
     <p:spTree>
@@ -4147,6 +4288,60 @@
       </p:grpSpPr>
       <p:pic>
         <p:nvPicPr>
+          <p:cNvPr id="4" name="Picture 3"/>
+          <p:cNvPicPr>
+            <a:picLocks noChangeAspect="1"/>
+          </p:cNvPicPr>
+          <p:nvPr/>
+        </p:nvPicPr>
+        <p:blipFill>
+          <a:blip r:embed="rId2"/>
+          <a:stretch>
+            <a:fillRect/>
+          </a:stretch>
+        </p:blipFill>
+        <p:spPr>
+          <a:xfrm>
+            <a:off x="0" y="0"/>
+            <a:ext cx="12192000" cy="6851600"/>
+          </a:xfrm>
+          <a:prstGeom prst="rect">
+            <a:avLst/>
+          </a:prstGeom>
+        </p:spPr>
+      </p:pic>
+    </p:spTree>
+    <p:extLst>
+      <p:ext uri="{BB962C8B-B14F-4D97-AF65-F5344CB8AC3E}">
+        <p14:creationId xmlns:p14="http://schemas.microsoft.com/office/powerpoint/2010/main" val="4261455564"/>
+      </p:ext>
+    </p:extLst>
+  </p:cSld>
+  <p:clrMapOvr>
+    <a:masterClrMapping/>
+  </p:clrMapOvr>
+</p:sld>
+</file>
+
+<file path=ppt/slides/slide4.xml><?xml version="1.0" encoding="utf-8"?>
+<p:sld xmlns:a="http://schemas.openxmlformats.org/drawingml/2006/main" xmlns:r="http://schemas.openxmlformats.org/officeDocument/2006/relationships" xmlns:p="http://schemas.openxmlformats.org/presentationml/2006/main">
+  <p:cSld>
+    <p:spTree>
+      <p:nvGrpSpPr>
+        <p:cNvPr id="1" name=""/>
+        <p:cNvGrpSpPr/>
+        <p:nvPr/>
+      </p:nvGrpSpPr>
+      <p:grpSpPr>
+        <a:xfrm>
+          <a:off x="0" y="0"/>
+          <a:ext cx="0" cy="0"/>
+          <a:chOff x="0" y="0"/>
+          <a:chExt cx="0" cy="0"/>
+        </a:xfrm>
+      </p:grpSpPr>
+      <p:pic>
+        <p:nvPicPr>
           <p:cNvPr id="5" name="Picture 4"/>
           <p:cNvPicPr>
             <a:picLocks noChangeAspect="1"/>
@@ -4182,7 +4377,7 @@
 </p:sld>
 </file>
 
-<file path=ppt/slides/slide4.xml><?xml version="1.0" encoding="utf-8"?>
+<file path=ppt/slides/slide5.xml><?xml version="1.0" encoding="utf-8"?>
 <p:sld xmlns:a="http://schemas.openxmlformats.org/drawingml/2006/main" xmlns:r="http://schemas.openxmlformats.org/officeDocument/2006/relationships" xmlns:p="http://schemas.openxmlformats.org/presentationml/2006/main">
   <p:cSld>
     <p:spTree>
@@ -4242,7 +4437,7 @@
 </p:sld>
 </file>
 
-<file path=ppt/slides/slide5.xml><?xml version="1.0" encoding="utf-8"?>
+<file path=ppt/slides/slide6.xml><?xml version="1.0" encoding="utf-8"?>
 <p:sld xmlns:a="http://schemas.openxmlformats.org/drawingml/2006/main" xmlns:r="http://schemas.openxmlformats.org/officeDocument/2006/relationships" xmlns:p="http://schemas.openxmlformats.org/presentationml/2006/main">
   <p:cSld>
     <p:spTree>
@@ -4287,60 +4482,6 @@
     <p:extLst>
       <p:ext uri="{BB962C8B-B14F-4D97-AF65-F5344CB8AC3E}">
         <p14:creationId xmlns:p14="http://schemas.microsoft.com/office/powerpoint/2010/main" val="235358887"/>
-      </p:ext>
-    </p:extLst>
-  </p:cSld>
-  <p:clrMapOvr>
-    <a:masterClrMapping/>
-  </p:clrMapOvr>
-</p:sld>
-</file>
-
-<file path=ppt/slides/slide6.xml><?xml version="1.0" encoding="utf-8"?>
-<p:sld xmlns:a="http://schemas.openxmlformats.org/drawingml/2006/main" xmlns:r="http://schemas.openxmlformats.org/officeDocument/2006/relationships" xmlns:p="http://schemas.openxmlformats.org/presentationml/2006/main">
-  <p:cSld>
-    <p:spTree>
-      <p:nvGrpSpPr>
-        <p:cNvPr id="1" name=""/>
-        <p:cNvGrpSpPr/>
-        <p:nvPr/>
-      </p:nvGrpSpPr>
-      <p:grpSpPr>
-        <a:xfrm>
-          <a:off x="0" y="0"/>
-          <a:ext cx="0" cy="0"/>
-          <a:chOff x="0" y="0"/>
-          <a:chExt cx="0" cy="0"/>
-        </a:xfrm>
-      </p:grpSpPr>
-      <p:pic>
-        <p:nvPicPr>
-          <p:cNvPr id="3" name="Picture 2"/>
-          <p:cNvPicPr>
-            <a:picLocks noChangeAspect="1"/>
-          </p:cNvPicPr>
-          <p:nvPr/>
-        </p:nvPicPr>
-        <p:blipFill>
-          <a:blip r:embed="rId2"/>
-          <a:stretch>
-            <a:fillRect/>
-          </a:stretch>
-        </p:blipFill>
-        <p:spPr>
-          <a:xfrm>
-            <a:off x="0" y="0"/>
-            <a:ext cx="12192000" cy="6858000"/>
-          </a:xfrm>
-          <a:prstGeom prst="rect">
-            <a:avLst/>
-          </a:prstGeom>
-        </p:spPr>
-      </p:pic>
-    </p:spTree>
-    <p:extLst>
-      <p:ext uri="{BB962C8B-B14F-4D97-AF65-F5344CB8AC3E}">
-        <p14:creationId xmlns:p14="http://schemas.microsoft.com/office/powerpoint/2010/main" val="3684776288"/>
       </p:ext>
     </p:extLst>
   </p:cSld>
@@ -4383,8 +4524,8 @@
         </p:blipFill>
         <p:spPr>
           <a:xfrm>
-            <a:off x="-1" y="0"/>
-            <a:ext cx="12192001" cy="6858000"/>
+            <a:off x="0" y="0"/>
+            <a:ext cx="12192000" cy="6858000"/>
           </a:xfrm>
           <a:prstGeom prst="rect">
             <a:avLst/>
@@ -4394,7 +4535,7 @@
     </p:spTree>
     <p:extLst>
       <p:ext uri="{BB962C8B-B14F-4D97-AF65-F5344CB8AC3E}">
-        <p14:creationId xmlns:p14="http://schemas.microsoft.com/office/powerpoint/2010/main" val="299633397"/>
+        <p14:creationId xmlns:p14="http://schemas.microsoft.com/office/powerpoint/2010/main" val="3684776288"/>
       </p:ext>
     </p:extLst>
   </p:cSld>
@@ -4423,7 +4564,7 @@
       </p:grpSpPr>
       <p:pic>
         <p:nvPicPr>
-          <p:cNvPr id="2" name="Picture 1"/>
+          <p:cNvPr id="3" name="Picture 2"/>
           <p:cNvPicPr>
             <a:picLocks noChangeAspect="1"/>
           </p:cNvPicPr>
@@ -4437,32 +4578,8 @@
         </p:blipFill>
         <p:spPr>
           <a:xfrm>
-            <a:off x="0" y="0"/>
-            <a:ext cx="12157489" cy="6858000"/>
-          </a:xfrm>
-          <a:prstGeom prst="rect">
-            <a:avLst/>
-          </a:prstGeom>
-        </p:spPr>
-      </p:pic>
-      <p:pic>
-        <p:nvPicPr>
-          <p:cNvPr id="3" name="Picture 2"/>
-          <p:cNvPicPr>
-            <a:picLocks noChangeAspect="1"/>
-          </p:cNvPicPr>
-          <p:nvPr/>
-        </p:nvPicPr>
-        <p:blipFill>
-          <a:blip r:embed="rId3"/>
-          <a:stretch>
-            <a:fillRect/>
-          </a:stretch>
-        </p:blipFill>
-        <p:spPr>
-          <a:xfrm>
-            <a:off x="0" y="0"/>
-            <a:ext cx="12192000" cy="6858000"/>
+            <a:off x="-1" y="0"/>
+            <a:ext cx="12192001" cy="6858000"/>
           </a:xfrm>
           <a:prstGeom prst="rect">
             <a:avLst/>
@@ -4472,7 +4589,7 @@
     </p:spTree>
     <p:extLst>
       <p:ext uri="{BB962C8B-B14F-4D97-AF65-F5344CB8AC3E}">
-        <p14:creationId xmlns:p14="http://schemas.microsoft.com/office/powerpoint/2010/main" val="473504340"/>
+        <p14:creationId xmlns:p14="http://schemas.microsoft.com/office/powerpoint/2010/main" val="299633397"/>
       </p:ext>
     </p:extLst>
   </p:cSld>
@@ -4516,6 +4633,30 @@
         <p:spPr>
           <a:xfrm>
             <a:off x="0" y="0"/>
+            <a:ext cx="12157489" cy="6858000"/>
+          </a:xfrm>
+          <a:prstGeom prst="rect">
+            <a:avLst/>
+          </a:prstGeom>
+        </p:spPr>
+      </p:pic>
+      <p:pic>
+        <p:nvPicPr>
+          <p:cNvPr id="3" name="Picture 2"/>
+          <p:cNvPicPr>
+            <a:picLocks noChangeAspect="1"/>
+          </p:cNvPicPr>
+          <p:nvPr/>
+        </p:nvPicPr>
+        <p:blipFill>
+          <a:blip r:embed="rId3"/>
+          <a:stretch>
+            <a:fillRect/>
+          </a:stretch>
+        </p:blipFill>
+        <p:spPr>
+          <a:xfrm>
+            <a:off x="0" y="0"/>
             <a:ext cx="12192000" cy="6858000"/>
           </a:xfrm>
           <a:prstGeom prst="rect">
@@ -4526,7 +4667,7 @@
     </p:spTree>
     <p:extLst>
       <p:ext uri="{BB962C8B-B14F-4D97-AF65-F5344CB8AC3E}">
-        <p14:creationId xmlns:p14="http://schemas.microsoft.com/office/powerpoint/2010/main" val="3968591461"/>
+        <p14:creationId xmlns:p14="http://schemas.microsoft.com/office/powerpoint/2010/main" val="473504340"/>
       </p:ext>
     </p:extLst>
   </p:cSld>
